--- a/presentazione_corni_chatbot.pptx
+++ b/presentazione_corni_chatbot.pptx
@@ -5,7 +5,7 @@
     <p:sldMasterId id="2147483648" r:id="rId1"/>
   </p:sldMasterIdLst>
   <p:notesMasterIdLst>
-    <p:notesMasterId r:id="rId14"/>
+    <p:notesMasterId r:id="rId15"/>
   </p:notesMasterIdLst>
   <p:sldIdLst>
     <p:sldId id="256" r:id="rId2"/>
@@ -17,9 +17,10 @@
     <p:sldId id="265" r:id="rId8"/>
     <p:sldId id="267" r:id="rId9"/>
     <p:sldId id="268" r:id="rId10"/>
-    <p:sldId id="259" r:id="rId11"/>
-    <p:sldId id="260" r:id="rId12"/>
-    <p:sldId id="261" r:id="rId13"/>
+    <p:sldId id="269" r:id="rId11"/>
+    <p:sldId id="259" r:id="rId12"/>
+    <p:sldId id="260" r:id="rId13"/>
+    <p:sldId id="261" r:id="rId14"/>
   </p:sldIdLst>
   <p:sldSz cx="12192000" cy="6858000"/>
   <p:notesSz cx="6858000" cy="9144000"/>
@@ -208,7 +209,7 @@
           <a:p>
             <a:fld id="{2E15FC1C-8A64-FA49-ACE1-0B9CB5E97710}" type="datetimeFigureOut">
               <a:rPr lang="it-IT" smtClean="0"/>
-              <a:t>19/03/19</a:t>
+              <a:t>21/03/19</a:t>
             </a:fld>
             <a:endParaRPr lang="it-IT"/>
           </a:p>
@@ -707,7 +708,7 @@
           <a:p>
             <a:fld id="{601E36F3-9E40-2941-AB6F-9D307DF64098}" type="datetimeFigureOut">
               <a:rPr lang="en-US" smtClean="0"/>
-              <a:t>3/19/19</a:t>
+              <a:t>3/21/19</a:t>
             </a:fld>
             <a:endParaRPr lang="en-US"/>
           </a:p>
@@ -905,7 +906,7 @@
           <a:p>
             <a:fld id="{601E36F3-9E40-2941-AB6F-9D307DF64098}" type="datetimeFigureOut">
               <a:rPr lang="en-US" smtClean="0"/>
-              <a:t>3/19/19</a:t>
+              <a:t>3/21/19</a:t>
             </a:fld>
             <a:endParaRPr lang="en-US"/>
           </a:p>
@@ -1113,7 +1114,7 @@
           <a:p>
             <a:fld id="{601E36F3-9E40-2941-AB6F-9D307DF64098}" type="datetimeFigureOut">
               <a:rPr lang="en-US" smtClean="0"/>
-              <a:t>3/19/19</a:t>
+              <a:t>3/21/19</a:t>
             </a:fld>
             <a:endParaRPr lang="en-US"/>
           </a:p>
@@ -1311,7 +1312,7 @@
           <a:p>
             <a:fld id="{601E36F3-9E40-2941-AB6F-9D307DF64098}" type="datetimeFigureOut">
               <a:rPr lang="en-US" smtClean="0"/>
-              <a:t>3/19/19</a:t>
+              <a:t>3/21/19</a:t>
             </a:fld>
             <a:endParaRPr lang="en-US"/>
           </a:p>
@@ -1586,7 +1587,7 @@
           <a:p>
             <a:fld id="{601E36F3-9E40-2941-AB6F-9D307DF64098}" type="datetimeFigureOut">
               <a:rPr lang="en-US" smtClean="0"/>
-              <a:t>3/19/19</a:t>
+              <a:t>3/21/19</a:t>
             </a:fld>
             <a:endParaRPr lang="en-US"/>
           </a:p>
@@ -1851,7 +1852,7 @@
           <a:p>
             <a:fld id="{601E36F3-9E40-2941-AB6F-9D307DF64098}" type="datetimeFigureOut">
               <a:rPr lang="en-US" smtClean="0"/>
-              <a:t>3/19/19</a:t>
+              <a:t>3/21/19</a:t>
             </a:fld>
             <a:endParaRPr lang="en-US"/>
           </a:p>
@@ -2263,7 +2264,7 @@
           <a:p>
             <a:fld id="{601E36F3-9E40-2941-AB6F-9D307DF64098}" type="datetimeFigureOut">
               <a:rPr lang="en-US" smtClean="0"/>
-              <a:t>3/19/19</a:t>
+              <a:t>3/21/19</a:t>
             </a:fld>
             <a:endParaRPr lang="en-US"/>
           </a:p>
@@ -2404,7 +2405,7 @@
           <a:p>
             <a:fld id="{601E36F3-9E40-2941-AB6F-9D307DF64098}" type="datetimeFigureOut">
               <a:rPr lang="en-US" smtClean="0"/>
-              <a:t>3/19/19</a:t>
+              <a:t>3/21/19</a:t>
             </a:fld>
             <a:endParaRPr lang="en-US"/>
           </a:p>
@@ -2517,7 +2518,7 @@
           <a:p>
             <a:fld id="{601E36F3-9E40-2941-AB6F-9D307DF64098}" type="datetimeFigureOut">
               <a:rPr lang="en-US" smtClean="0"/>
-              <a:t>3/19/19</a:t>
+              <a:t>3/21/19</a:t>
             </a:fld>
             <a:endParaRPr lang="en-US"/>
           </a:p>
@@ -2828,7 +2829,7 @@
           <a:p>
             <a:fld id="{601E36F3-9E40-2941-AB6F-9D307DF64098}" type="datetimeFigureOut">
               <a:rPr lang="en-US" smtClean="0"/>
-              <a:t>3/19/19</a:t>
+              <a:t>3/21/19</a:t>
             </a:fld>
             <a:endParaRPr lang="en-US"/>
           </a:p>
@@ -3116,7 +3117,7 @@
           <a:p>
             <a:fld id="{601E36F3-9E40-2941-AB6F-9D307DF64098}" type="datetimeFigureOut">
               <a:rPr lang="en-US" smtClean="0"/>
-              <a:t>3/19/19</a:t>
+              <a:t>3/21/19</a:t>
             </a:fld>
             <a:endParaRPr lang="en-US"/>
           </a:p>
@@ -3357,7 +3358,7 @@
           <a:p>
             <a:fld id="{601E36F3-9E40-2941-AB6F-9D307DF64098}" type="datetimeFigureOut">
               <a:rPr lang="en-US" smtClean="0"/>
-              <a:t>3/19/19</a:t>
+              <a:t>3/21/19</a:t>
             </a:fld>
             <a:endParaRPr lang="en-US"/>
           </a:p>
@@ -3982,6 +3983,241 @@
       </p:grpSpPr>
       <p:sp>
         <p:nvSpPr>
+          <p:cNvPr id="7" name="Rectangle 6">
+            <a:extLst>
+              <a:ext uri="{FF2B5EF4-FFF2-40B4-BE49-F238E27FC236}">
+                <a16:creationId xmlns:a16="http://schemas.microsoft.com/office/drawing/2014/main" id="{23962611-DFD5-4092-AAFD-559E3DFCE2C9}"/>
+              </a:ext>
+              <a:ext uri="{C183D7F6-B498-43B3-948B-1728B52AA6E4}">
+                <adec:decorative xmlns:adec="http://schemas.microsoft.com/office/drawing/2017/decorative" val="1"/>
+              </a:ext>
+            </a:extLst>
+          </p:cNvPr>
+          <p:cNvSpPr>
+            <a:spLocks noGrp="1" noRot="1" noChangeAspect="1" noMove="1" noResize="1" noEditPoints="1" noAdjustHandles="1" noChangeArrowheads="1" noChangeShapeType="1" noTextEdit="1"/>
+          </p:cNvSpPr>
+          <p:nvPr>
+            <p:extLst>
+              <p:ext uri="{386F3935-93C4-4BCD-93E2-E3B085C9AB24}">
+                <p16:designElem xmlns:p16="http://schemas.microsoft.com/office/powerpoint/2015/main" val="1"/>
+              </p:ext>
+            </p:extLst>
+          </p:nvPr>
+        </p:nvSpPr>
+        <p:spPr>
+          <a:xfrm>
+            <a:off x="475488" y="0"/>
+            <a:ext cx="10910292" cy="6858000"/>
+          </a:xfrm>
+          <a:prstGeom prst="rect">
+            <a:avLst/>
+          </a:prstGeom>
+          <a:gradFill>
+            <a:gsLst>
+              <a:gs pos="0">
+                <a:schemeClr val="accent1">
+                  <a:lumMod val="90000"/>
+                </a:schemeClr>
+              </a:gs>
+              <a:gs pos="25000">
+                <a:schemeClr val="accent1">
+                  <a:lumMod val="90000"/>
+                </a:schemeClr>
+              </a:gs>
+              <a:gs pos="94000">
+                <a:schemeClr val="bg2">
+                  <a:lumMod val="25000"/>
+                </a:schemeClr>
+              </a:gs>
+              <a:gs pos="100000">
+                <a:schemeClr val="bg2">
+                  <a:lumMod val="25000"/>
+                </a:schemeClr>
+              </a:gs>
+            </a:gsLst>
+            <a:lin ang="4200000" scaled="0"/>
+          </a:gradFill>
+          <a:ln>
+            <a:noFill/>
+          </a:ln>
+        </p:spPr>
+        <p:style>
+          <a:lnRef idx="2">
+            <a:schemeClr val="accent1">
+              <a:shade val="50000"/>
+            </a:schemeClr>
+          </a:lnRef>
+          <a:fillRef idx="1">
+            <a:schemeClr val="accent1"/>
+          </a:fillRef>
+          <a:effectRef idx="0">
+            <a:schemeClr val="accent1"/>
+          </a:effectRef>
+          <a:fontRef idx="minor">
+            <a:schemeClr val="lt1"/>
+          </a:fontRef>
+        </p:style>
+        <p:txBody>
+          <a:bodyPr rtlCol="0" anchor="ctr"/>
+          <a:lstStyle/>
+          <a:p>
+            <a:pPr algn="ctr"/>
+            <a:endParaRPr lang="en-US"/>
+          </a:p>
+        </p:txBody>
+      </p:sp>
+      <p:pic>
+        <p:nvPicPr>
+          <p:cNvPr id="9" name="Picture 8">
+            <a:extLst>
+              <a:ext uri="{FF2B5EF4-FFF2-40B4-BE49-F238E27FC236}">
+                <a16:creationId xmlns:a16="http://schemas.microsoft.com/office/drawing/2014/main" id="{2270F1FA-0425-408F-9861-80BF5AFB276D}"/>
+              </a:ext>
+              <a:ext uri="{C183D7F6-B498-43B3-948B-1728B52AA6E4}">
+                <adec:decorative xmlns:adec="http://schemas.microsoft.com/office/drawing/2017/decorative" val="1"/>
+              </a:ext>
+            </a:extLst>
+          </p:cNvPr>
+          <p:cNvPicPr>
+            <a:picLocks noGrp="1" noRot="1" noChangeAspect="1" noMove="1" noResize="1" noEditPoints="1" noAdjustHandles="1" noChangeArrowheads="1" noChangeShapeType="1" noCrop="1"/>
+          </p:cNvPicPr>
+          <p:nvPr>
+            <p:extLst>
+              <p:ext uri="{386F3935-93C4-4BCD-93E2-E3B085C9AB24}">
+                <p16:designElem xmlns:p16="http://schemas.microsoft.com/office/powerpoint/2015/main" val="1"/>
+              </p:ext>
+            </p:extLst>
+          </p:nvPr>
+        </p:nvPicPr>
+        <p:blipFill>
+          <a:blip r:embed="rId2">
+            <a:extLst>
+              <a:ext uri="{28A0092B-C50C-407E-A947-70E740481C1C}">
+                <a14:useLocalDpi xmlns:a14="http://schemas.microsoft.com/office/drawing/2010/main" val="0"/>
+              </a:ext>
+            </a:extLst>
+          </a:blip>
+          <a:stretch>
+            <a:fillRect/>
+          </a:stretch>
+        </p:blipFill>
+        <p:spPr>
+          <a:xfrm>
+            <a:off x="0" y="0"/>
+            <a:ext cx="12192000" cy="6858000"/>
+          </a:xfrm>
+          <a:prstGeom prst="rect">
+            <a:avLst/>
+          </a:prstGeom>
+        </p:spPr>
+      </p:pic>
+      <p:sp>
+        <p:nvSpPr>
+          <p:cNvPr id="2" name="Title 1">
+            <a:extLst>
+              <a:ext uri="{FF2B5EF4-FFF2-40B4-BE49-F238E27FC236}">
+                <a16:creationId xmlns:a16="http://schemas.microsoft.com/office/drawing/2014/main" id="{D04E86E6-6BA7-5545-BDC4-3A56865CFFC7}"/>
+              </a:ext>
+            </a:extLst>
+          </p:cNvPr>
+          <p:cNvSpPr>
+            <a:spLocks noGrp="1"/>
+          </p:cNvSpPr>
+          <p:nvPr>
+            <p:ph type="title"/>
+          </p:nvPr>
+        </p:nvSpPr>
+        <p:spPr>
+          <a:xfrm>
+            <a:off x="3045368" y="2043663"/>
+            <a:ext cx="6105194" cy="2031055"/>
+          </a:xfrm>
+        </p:spPr>
+        <p:txBody>
+          <a:bodyPr vert="horz" lIns="91440" tIns="45720" rIns="91440" bIns="45720" rtlCol="0" anchor="b">
+            <a:normAutofit/>
+          </a:bodyPr>
+          <a:lstStyle/>
+          <a:p>
+            <a:pPr algn="ctr"/>
+            <a:r>
+              <a:rPr lang="en-US" sz="6000" b="1" kern="1200" dirty="0" err="1">
+                <a:solidFill>
+                  <a:srgbClr val="FFFFFF"/>
+                </a:solidFill>
+                <a:latin typeface="OCRB" panose="020B0609020202020204" pitchFamily="49" charset="77"/>
+              </a:rPr>
+              <a:t>Già</a:t>
+            </a:r>
+            <a:br>
+              <a:rPr lang="en-US" sz="6000" b="1" kern="1200" dirty="0">
+                <a:solidFill>
+                  <a:srgbClr val="FFFFFF"/>
+                </a:solidFill>
+                <a:latin typeface="OCRB" panose="020B0609020202020204" pitchFamily="49" charset="77"/>
+              </a:rPr>
+            </a:br>
+            <a:r>
+              <a:rPr lang="en-US" sz="6000" b="1" kern="1200" dirty="0" err="1">
+                <a:solidFill>
+                  <a:srgbClr val="FFFFFF"/>
+                </a:solidFill>
+                <a:latin typeface="OCRB" panose="020B0609020202020204" pitchFamily="49" charset="77"/>
+              </a:rPr>
+              <a:t>finito</a:t>
+            </a:r>
+            <a:r>
+              <a:rPr lang="en-US" sz="6000" b="1" kern="1200" dirty="0">
+                <a:solidFill>
+                  <a:srgbClr val="FFFFFF"/>
+                </a:solidFill>
+                <a:latin typeface="OCRB" panose="020B0609020202020204" pitchFamily="49" charset="77"/>
+              </a:rPr>
+              <a:t>?</a:t>
+            </a:r>
+          </a:p>
+        </p:txBody>
+      </p:sp>
+    </p:spTree>
+    <p:extLst>
+      <p:ext uri="{BB962C8B-B14F-4D97-AF65-F5344CB8AC3E}">
+        <p14:creationId xmlns:p14="http://schemas.microsoft.com/office/powerpoint/2010/main" val="2868164064"/>
+      </p:ext>
+    </p:extLst>
+  </p:cSld>
+  <p:clrMapOvr>
+    <a:masterClrMapping/>
+  </p:clrMapOvr>
+</p:sld>
+</file>
+
+<file path=ppt/slides/slide11.xml><?xml version="1.0" encoding="utf-8"?>
+<p:sld xmlns:a="http://schemas.openxmlformats.org/drawingml/2006/main" xmlns:r="http://schemas.openxmlformats.org/officeDocument/2006/relationships" xmlns:p="http://schemas.openxmlformats.org/presentationml/2006/main">
+  <p:cSld>
+    <p:bg>
+      <p:bgPr>
+        <a:solidFill>
+          <a:schemeClr val="bg1"/>
+        </a:solidFill>
+        <a:effectLst/>
+      </p:bgPr>
+    </p:bg>
+    <p:spTree>
+      <p:nvGrpSpPr>
+        <p:cNvPr id="1" name=""/>
+        <p:cNvGrpSpPr/>
+        <p:nvPr/>
+      </p:nvGrpSpPr>
+      <p:grpSpPr>
+        <a:xfrm>
+          <a:off x="0" y="0"/>
+          <a:ext cx="0" cy="0"/>
+          <a:chOff x="0" y="0"/>
+          <a:chExt cx="0" cy="0"/>
+        </a:xfrm>
+      </p:grpSpPr>
+      <p:sp>
+        <p:nvSpPr>
           <p:cNvPr id="12" name="Rectangle 11">
             <a:extLst>
               <a:ext uri="{FF2B5EF4-FFF2-40B4-BE49-F238E27FC236}">
@@ -4081,7 +4317,7 @@
                 </a:solidFill>
                 <a:latin typeface="OCRB" panose="020B0609020202020204" pitchFamily="49" charset="77"/>
               </a:rPr>
-              <a:t>Facciamolo</a:t>
+              <a:t>Realizziamolo</a:t>
             </a:r>
             <a:r>
               <a:rPr lang="en-US" sz="5400" dirty="0">
@@ -4292,7 +4528,7 @@
 </p:sld>
 </file>
 
-<file path=ppt/slides/slide11.xml><?xml version="1.0" encoding="utf-8"?>
+<file path=ppt/slides/slide12.xml><?xml version="1.0" encoding="utf-8"?>
 <p:sld xmlns:a="http://schemas.openxmlformats.org/drawingml/2006/main" xmlns:r="http://schemas.openxmlformats.org/officeDocument/2006/relationships" xmlns:p="http://schemas.openxmlformats.org/presentationml/2006/main">
   <p:cSld>
     <p:bg>
@@ -5165,7 +5401,7 @@
 </p:sld>
 </file>
 
-<file path=ppt/slides/slide12.xml><?xml version="1.0" encoding="utf-8"?>
+<file path=ppt/slides/slide13.xml><?xml version="1.0" encoding="utf-8"?>
 <p:sld xmlns:a="http://schemas.openxmlformats.org/drawingml/2006/main" xmlns:r="http://schemas.openxmlformats.org/officeDocument/2006/relationships" xmlns:p="http://schemas.openxmlformats.org/presentationml/2006/main">
   <p:cSld>
     <p:spTree>
@@ -5235,81 +5471,168 @@
           <a:p>
             <a:r>
               <a:rPr lang="it-IT" dirty="0">
-                <a:latin typeface="OCRB" panose="020B0609020202020204" pitchFamily="49" charset="77"/>
-                <a:hlinkClick r:id="rId2"/>
+                <a:solidFill>
+                  <a:schemeClr val="accent1"/>
+                </a:solidFill>
+                <a:latin typeface="OCRB" panose="020B0609020202020204" pitchFamily="49" charset="77"/>
+                <a:hlinkClick r:id="rId2">
+                  <a:extLst>
+                    <a:ext uri="{A12FA001-AC4F-418D-AE19-62706E023703}">
+                      <ahyp:hlinkClr xmlns:ahyp="http://schemas.microsoft.com/office/drawing/2018/hyperlinkcolor" val="tx"/>
+                    </a:ext>
+                  </a:extLst>
+                </a:hlinkClick>
               </a:rPr>
               <a:t>Gabriele_Corni@iprel.it</a:t>
             </a:r>
             <a:endParaRPr lang="it-IT" dirty="0">
+              <a:solidFill>
+                <a:schemeClr val="accent1"/>
+              </a:solidFill>
               <a:latin typeface="OCRB" panose="020B0609020202020204" pitchFamily="49" charset="77"/>
             </a:endParaRPr>
           </a:p>
           <a:p>
             <a:r>
               <a:rPr lang="it-IT" dirty="0">
-                <a:latin typeface="OCRB" panose="020B0609020202020204" pitchFamily="49" charset="77"/>
-                <a:hlinkClick r:id="rId3"/>
+                <a:solidFill>
+                  <a:schemeClr val="accent1"/>
+                </a:solidFill>
+                <a:latin typeface="OCRB" panose="020B0609020202020204" pitchFamily="49" charset="77"/>
+                <a:hlinkClick r:id="rId3">
+                  <a:extLst>
+                    <a:ext uri="{A12FA001-AC4F-418D-AE19-62706E023703}">
+                      <ahyp:hlinkClr xmlns:ahyp="http://schemas.microsoft.com/office/drawing/2018/hyperlinkcolor" val="tx"/>
+                    </a:ext>
+                  </a:extLst>
+                </a:hlinkClick>
               </a:rPr>
               <a:t>in/</a:t>
             </a:r>
             <a:r>
               <a:rPr lang="it-IT" dirty="0" err="1">
-                <a:latin typeface="OCRB" panose="020B0609020202020204" pitchFamily="49" charset="77"/>
-                <a:hlinkClick r:id="rId3"/>
+                <a:solidFill>
+                  <a:schemeClr val="accent1"/>
+                </a:solidFill>
+                <a:latin typeface="OCRB" panose="020B0609020202020204" pitchFamily="49" charset="77"/>
+                <a:hlinkClick r:id="rId3">
+                  <a:extLst>
+                    <a:ext uri="{A12FA001-AC4F-418D-AE19-62706E023703}">
+                      <ahyp:hlinkClr xmlns:ahyp="http://schemas.microsoft.com/office/drawing/2018/hyperlinkcolor" val="tx"/>
+                    </a:ext>
+                  </a:extLst>
+                </a:hlinkClick>
               </a:rPr>
               <a:t>gabriele</a:t>
             </a:r>
             <a:r>
               <a:rPr lang="it-IT" dirty="0">
-                <a:latin typeface="OCRB" panose="020B0609020202020204" pitchFamily="49" charset="77"/>
-                <a:hlinkClick r:id="rId3"/>
+                <a:solidFill>
+                  <a:schemeClr val="accent1"/>
+                </a:solidFill>
+                <a:latin typeface="OCRB" panose="020B0609020202020204" pitchFamily="49" charset="77"/>
+                <a:hlinkClick r:id="rId3">
+                  <a:extLst>
+                    <a:ext uri="{A12FA001-AC4F-418D-AE19-62706E023703}">
+                      <ahyp:hlinkClr xmlns:ahyp="http://schemas.microsoft.com/office/drawing/2018/hyperlinkcolor" val="tx"/>
+                    </a:ext>
+                  </a:extLst>
+                </a:hlinkClick>
               </a:rPr>
               <a:t>-corni</a:t>
             </a:r>
             <a:endParaRPr lang="it-IT" dirty="0">
+              <a:solidFill>
+                <a:schemeClr val="accent1"/>
+              </a:solidFill>
               <a:latin typeface="OCRB" panose="020B0609020202020204" pitchFamily="49" charset="77"/>
             </a:endParaRPr>
           </a:p>
           <a:p>
             <a:r>
               <a:rPr lang="it-IT" dirty="0">
-                <a:latin typeface="OCRB" panose="020B0609020202020204" pitchFamily="49" charset="77"/>
-                <a:hlinkClick r:id="rId4"/>
+                <a:solidFill>
+                  <a:schemeClr val="accent1"/>
+                </a:solidFill>
+                <a:latin typeface="OCRB" panose="020B0609020202020204" pitchFamily="49" charset="77"/>
+                <a:hlinkClick r:id="rId4">
+                  <a:extLst>
+                    <a:ext uri="{A12FA001-AC4F-418D-AE19-62706E023703}">
+                      <ahyp:hlinkClr xmlns:ahyp="http://schemas.microsoft.com/office/drawing/2018/hyperlinkcolor" val="tx"/>
+                    </a:ext>
+                  </a:extLst>
+                </a:hlinkClick>
               </a:rPr>
               <a:t>@</a:t>
             </a:r>
             <a:r>
               <a:rPr lang="it-IT" dirty="0" err="1">
-                <a:latin typeface="OCRB" panose="020B0609020202020204" pitchFamily="49" charset="77"/>
-                <a:hlinkClick r:id="rId4"/>
+                <a:solidFill>
+                  <a:schemeClr val="accent1"/>
+                </a:solidFill>
+                <a:latin typeface="OCRB" panose="020B0609020202020204" pitchFamily="49" charset="77"/>
+                <a:hlinkClick r:id="rId4">
+                  <a:extLst>
+                    <a:ext uri="{A12FA001-AC4F-418D-AE19-62706E023703}">
+                      <ahyp:hlinkClr xmlns:ahyp="http://schemas.microsoft.com/office/drawing/2018/hyperlinkcolor" val="tx"/>
+                    </a:ext>
+                  </a:extLst>
+                </a:hlinkClick>
               </a:rPr>
               <a:t>gabrielhorns</a:t>
             </a:r>
             <a:endParaRPr lang="it-IT" dirty="0">
+              <a:solidFill>
+                <a:schemeClr val="accent1"/>
+              </a:solidFill>
               <a:latin typeface="OCRB" panose="020B0609020202020204" pitchFamily="49" charset="77"/>
             </a:endParaRPr>
           </a:p>
           <a:p>
             <a:r>
               <a:rPr lang="it-IT" dirty="0">
-                <a:latin typeface="OCRB" panose="020B0609020202020204" pitchFamily="49" charset="77"/>
-                <a:hlinkClick r:id="rId5"/>
+                <a:solidFill>
+                  <a:schemeClr val="accent1"/>
+                </a:solidFill>
+                <a:latin typeface="OCRB" panose="020B0609020202020204" pitchFamily="49" charset="77"/>
+                <a:hlinkClick r:id="rId5">
+                  <a:extLst>
+                    <a:ext uri="{A12FA001-AC4F-418D-AE19-62706E023703}">
+                      <ahyp:hlinkClr xmlns:ahyp="http://schemas.microsoft.com/office/drawing/2018/hyperlinkcolor" val="tx"/>
+                    </a:ext>
+                  </a:extLst>
+                </a:hlinkClick>
               </a:rPr>
               <a:t>https://github.com/IprelProgetti</a:t>
             </a:r>
             <a:endParaRPr lang="it-IT" dirty="0">
+              <a:solidFill>
+                <a:schemeClr val="accent1"/>
+              </a:solidFill>
               <a:latin typeface="OCRB" panose="020B0609020202020204" pitchFamily="49" charset="77"/>
             </a:endParaRPr>
           </a:p>
           <a:p>
             <a:r>
               <a:rPr lang="it-IT" dirty="0">
-                <a:latin typeface="OCRB" panose="020B0609020202020204" pitchFamily="49" charset="77"/>
-                <a:hlinkClick r:id="rId6"/>
+                <a:solidFill>
+                  <a:schemeClr val="accent1"/>
+                </a:solidFill>
+                <a:latin typeface="OCRB" panose="020B0609020202020204" pitchFamily="49" charset="77"/>
+                <a:hlinkClick r:id="rId6">
+                  <a:extLst>
+                    <a:ext uri="{A12FA001-AC4F-418D-AE19-62706E023703}">
+                      <ahyp:hlinkClr xmlns:ahyp="http://schemas.microsoft.com/office/drawing/2018/hyperlinkcolor" val="tx"/>
+                    </a:ext>
+                  </a:extLst>
+                </a:hlinkClick>
               </a:rPr>
               <a:t>http://www.aepi-group.it/iprel</a:t>
             </a:r>
             <a:endParaRPr lang="it-IT" dirty="0">
+              <a:solidFill>
+                <a:schemeClr val="accent1"/>
+              </a:solidFill>
               <a:latin typeface="OCRB" panose="020B0609020202020204" pitchFamily="49" charset="77"/>
             </a:endParaRPr>
           </a:p>
@@ -5565,6 +5888,84 @@
   <p:clrMapOvr>
     <a:masterClrMapping/>
   </p:clrMapOvr>
+  <p:timing>
+    <p:tnLst>
+      <p:par>
+        <p:cTn id="1" dur="indefinite" restart="never" nodeType="tmRoot">
+          <p:childTnLst>
+            <p:seq concurrent="1" nextAc="seek">
+              <p:cTn id="2" dur="indefinite" nodeType="mainSeq">
+                <p:childTnLst>
+                  <p:par>
+                    <p:cTn id="3" fill="hold">
+                      <p:stCondLst>
+                        <p:cond delay="indefinite"/>
+                      </p:stCondLst>
+                      <p:childTnLst>
+                        <p:par>
+                          <p:cTn id="4" fill="hold">
+                            <p:stCondLst>
+                              <p:cond delay="0"/>
+                            </p:stCondLst>
+                            <p:childTnLst>
+                              <p:par>
+                                <p:cTn id="5" presetID="1" presetClass="entr" presetSubtype="0" fill="hold" grpId="0" nodeType="clickEffect">
+                                  <p:stCondLst>
+                                    <p:cond delay="0"/>
+                                  </p:stCondLst>
+                                  <p:childTnLst>
+                                    <p:set>
+                                      <p:cBhvr>
+                                        <p:cTn id="6" dur="1" fill="hold">
+                                          <p:stCondLst>
+                                            <p:cond delay="0"/>
+                                          </p:stCondLst>
+                                        </p:cTn>
+                                        <p:tgtEl>
+                                          <p:spTgt spid="4"/>
+                                        </p:tgtEl>
+                                        <p:attrNameLst>
+                                          <p:attrName>style.visibility</p:attrName>
+                                        </p:attrNameLst>
+                                      </p:cBhvr>
+                                      <p:to>
+                                        <p:strVal val="visible"/>
+                                      </p:to>
+                                    </p:set>
+                                  </p:childTnLst>
+                                </p:cTn>
+                              </p:par>
+                            </p:childTnLst>
+                          </p:cTn>
+                        </p:par>
+                      </p:childTnLst>
+                    </p:cTn>
+                  </p:par>
+                </p:childTnLst>
+              </p:cTn>
+              <p:prevCondLst>
+                <p:cond evt="onPrev" delay="0">
+                  <p:tgtEl>
+                    <p:sldTgt/>
+                  </p:tgtEl>
+                </p:cond>
+              </p:prevCondLst>
+              <p:nextCondLst>
+                <p:cond evt="onNext" delay="0">
+                  <p:tgtEl>
+                    <p:sldTgt/>
+                  </p:tgtEl>
+                </p:cond>
+              </p:nextCondLst>
+            </p:seq>
+          </p:childTnLst>
+        </p:cTn>
+      </p:par>
+    </p:tnLst>
+    <p:bldLst>
+      <p:bldP spid="4" grpId="0"/>
+    </p:bldLst>
+  </p:timing>
 </p:sld>
 </file>
 
@@ -9166,34 +9567,11 @@
               <a:rPr lang="it" dirty="0">
                 <a:latin typeface="OCRB" panose="020B0609020202020204" pitchFamily="49" charset="77"/>
               </a:rPr>
-              <a:t>On premises / In Cloud (</a:t>
-            </a:r>
-            <a:r>
-              <a:rPr lang="it" dirty="0">
-                <a:latin typeface="OCRB" panose="020B0609020202020204" pitchFamily="49" charset="77"/>
-                <a:hlinkClick r:id="rId2"/>
-              </a:rPr>
-              <a:t>Google DialogFlow</a:t>
-            </a:r>
-            <a:r>
-              <a:rPr lang="it" dirty="0">
-                <a:latin typeface="OCRB" panose="020B0609020202020204" pitchFamily="49" charset="77"/>
-              </a:rPr>
-              <a:t>, </a:t>
-            </a:r>
-            <a:r>
-              <a:rPr lang="it" dirty="0">
-                <a:latin typeface="OCRB" panose="020B0609020202020204" pitchFamily="49" charset="77"/>
-                <a:hlinkClick r:id="rId3"/>
-              </a:rPr>
-              <a:t>Amazon Lex</a:t>
-            </a:r>
-            <a:r>
-              <a:rPr lang="it" dirty="0">
-                <a:latin typeface="OCRB" panose="020B0609020202020204" pitchFamily="49" charset="77"/>
-              </a:rPr>
-              <a:t>) </a:t>
-            </a:r>
+              <a:t>In generale su Internet (richiedono connessione)</a:t>
+            </a:r>
+            <a:endParaRPr lang="it-IT" dirty="0">
+              <a:latin typeface="OCRB" panose="020B0609020202020204" pitchFamily="49" charset="77"/>
+            </a:endParaRPr>
           </a:p>
           <a:p>
             <a:pPr marL="285750" indent="-285750">
@@ -9204,11 +9582,34 @@
               <a:rPr lang="it" dirty="0">
                 <a:latin typeface="OCRB" panose="020B0609020202020204" pitchFamily="49" charset="77"/>
               </a:rPr>
-              <a:t>In generale su Internet (richiedono connessione)</a:t>
-            </a:r>
-            <a:endParaRPr lang="it-IT" dirty="0">
-              <a:latin typeface="OCRB" panose="020B0609020202020204" pitchFamily="49" charset="77"/>
-            </a:endParaRPr>
+              <a:t>On premises / In Cloud (</a:t>
+            </a:r>
+            <a:r>
+              <a:rPr lang="it" dirty="0">
+                <a:latin typeface="OCRB" panose="020B0609020202020204" pitchFamily="49" charset="77"/>
+                <a:hlinkClick r:id="rId2"/>
+              </a:rPr>
+              <a:t>Google DialogFlow</a:t>
+            </a:r>
+            <a:r>
+              <a:rPr lang="it" dirty="0">
+                <a:latin typeface="OCRB" panose="020B0609020202020204" pitchFamily="49" charset="77"/>
+              </a:rPr>
+              <a:t>, </a:t>
+            </a:r>
+            <a:r>
+              <a:rPr lang="it" dirty="0">
+                <a:latin typeface="OCRB" panose="020B0609020202020204" pitchFamily="49" charset="77"/>
+                <a:hlinkClick r:id="rId3"/>
+              </a:rPr>
+              <a:t>Amazon Lex</a:t>
+            </a:r>
+            <a:r>
+              <a:rPr lang="it" dirty="0">
+                <a:latin typeface="OCRB" panose="020B0609020202020204" pitchFamily="49" charset="77"/>
+              </a:rPr>
+              <a:t>) </a:t>
+            </a:r>
           </a:p>
         </p:txBody>
       </p:sp>
